--- a/Präsentation/Weiterführung.pptx
+++ b/Präsentation/Weiterführung.pptx
@@ -6,13 +6,11 @@
   </p:sldMasterIdLst>
   <p:sldIdLst>
     <p:sldId id="256" r:id="rId2"/>
-    <p:sldId id="261" r:id="rId3"/>
-    <p:sldId id="260" r:id="rId4"/>
-    <p:sldId id="263" r:id="rId5"/>
-    <p:sldId id="262" r:id="rId6"/>
-    <p:sldId id="257" r:id="rId7"/>
-    <p:sldId id="258" r:id="rId8"/>
-    <p:sldId id="259" r:id="rId9"/>
+    <p:sldId id="260" r:id="rId3"/>
+    <p:sldId id="262" r:id="rId4"/>
+    <p:sldId id="257" r:id="rId5"/>
+    <p:sldId id="259" r:id="rId6"/>
+    <p:sldId id="258" r:id="rId7"/>
   </p:sldIdLst>
   <p:sldSz cx="12192000" cy="6858000"/>
   <p:notesSz cx="6858000" cy="9144000"/>
@@ -111,6 +109,11 @@
       </a:defRPr>
     </a:lvl9pPr>
   </p:defaultTextStyle>
+  <p:extLst>
+    <p:ext uri="{EFAFB233-063F-42B5-8137-9DF3F51BA10A}">
+      <p15:sldGuideLst xmlns:p15="http://schemas.microsoft.com/office/powerpoint/2012/main"/>
+    </p:ext>
+  </p:extLst>
 </p:presentation>
 </file>
 
@@ -263,7 +266,7 @@
           <a:p>
             <a:fld id="{C632795B-69C2-4881-8E2E-A3840CD0CF43}" type="datetimeFigureOut">
               <a:rPr lang="de-AT" smtClean="0"/>
-              <a:t>27.02.2023</a:t>
+              <a:t>28.02.2023</a:t>
             </a:fld>
             <a:endParaRPr lang="de-AT"/>
           </a:p>
@@ -463,7 +466,7 @@
           <a:p>
             <a:fld id="{C632795B-69C2-4881-8E2E-A3840CD0CF43}" type="datetimeFigureOut">
               <a:rPr lang="de-AT" smtClean="0"/>
-              <a:t>27.02.2023</a:t>
+              <a:t>28.02.2023</a:t>
             </a:fld>
             <a:endParaRPr lang="de-AT"/>
           </a:p>
@@ -673,7 +676,7 @@
           <a:p>
             <a:fld id="{C632795B-69C2-4881-8E2E-A3840CD0CF43}" type="datetimeFigureOut">
               <a:rPr lang="de-AT" smtClean="0"/>
-              <a:t>27.02.2023</a:t>
+              <a:t>28.02.2023</a:t>
             </a:fld>
             <a:endParaRPr lang="de-AT"/>
           </a:p>
@@ -873,7 +876,7 @@
           <a:p>
             <a:fld id="{C632795B-69C2-4881-8E2E-A3840CD0CF43}" type="datetimeFigureOut">
               <a:rPr lang="de-AT" smtClean="0"/>
-              <a:t>27.02.2023</a:t>
+              <a:t>28.02.2023</a:t>
             </a:fld>
             <a:endParaRPr lang="de-AT"/>
           </a:p>
@@ -1149,7 +1152,7 @@
           <a:p>
             <a:fld id="{C632795B-69C2-4881-8E2E-A3840CD0CF43}" type="datetimeFigureOut">
               <a:rPr lang="de-AT" smtClean="0"/>
-              <a:t>27.02.2023</a:t>
+              <a:t>28.02.2023</a:t>
             </a:fld>
             <a:endParaRPr lang="de-AT"/>
           </a:p>
@@ -1417,7 +1420,7 @@
           <a:p>
             <a:fld id="{C632795B-69C2-4881-8E2E-A3840CD0CF43}" type="datetimeFigureOut">
               <a:rPr lang="de-AT" smtClean="0"/>
-              <a:t>27.02.2023</a:t>
+              <a:t>28.02.2023</a:t>
             </a:fld>
             <a:endParaRPr lang="de-AT"/>
           </a:p>
@@ -1832,7 +1835,7 @@
           <a:p>
             <a:fld id="{C632795B-69C2-4881-8E2E-A3840CD0CF43}" type="datetimeFigureOut">
               <a:rPr lang="de-AT" smtClean="0"/>
-              <a:t>27.02.2023</a:t>
+              <a:t>28.02.2023</a:t>
             </a:fld>
             <a:endParaRPr lang="de-AT"/>
           </a:p>
@@ -1974,7 +1977,7 @@
           <a:p>
             <a:fld id="{C632795B-69C2-4881-8E2E-A3840CD0CF43}" type="datetimeFigureOut">
               <a:rPr lang="de-AT" smtClean="0"/>
-              <a:t>27.02.2023</a:t>
+              <a:t>28.02.2023</a:t>
             </a:fld>
             <a:endParaRPr lang="de-AT"/>
           </a:p>
@@ -2087,7 +2090,7 @@
           <a:p>
             <a:fld id="{C632795B-69C2-4881-8E2E-A3840CD0CF43}" type="datetimeFigureOut">
               <a:rPr lang="de-AT" smtClean="0"/>
-              <a:t>27.02.2023</a:t>
+              <a:t>28.02.2023</a:t>
             </a:fld>
             <a:endParaRPr lang="de-AT"/>
           </a:p>
@@ -2400,7 +2403,7 @@
           <a:p>
             <a:fld id="{C632795B-69C2-4881-8E2E-A3840CD0CF43}" type="datetimeFigureOut">
               <a:rPr lang="de-AT" smtClean="0"/>
-              <a:t>27.02.2023</a:t>
+              <a:t>28.02.2023</a:t>
             </a:fld>
             <a:endParaRPr lang="de-AT"/>
           </a:p>
@@ -2689,7 +2692,7 @@
           <a:p>
             <a:fld id="{C632795B-69C2-4881-8E2E-A3840CD0CF43}" type="datetimeFigureOut">
               <a:rPr lang="de-AT" smtClean="0"/>
-              <a:t>27.02.2023</a:t>
+              <a:t>28.02.2023</a:t>
             </a:fld>
             <a:endParaRPr lang="de-AT"/>
           </a:p>
@@ -2932,7 +2935,7 @@
           <a:p>
             <a:fld id="{C632795B-69C2-4881-8E2E-A3840CD0CF43}" type="datetimeFigureOut">
               <a:rPr lang="de-AT" smtClean="0"/>
-              <a:t>27.02.2023</a:t>
+              <a:t>28.02.2023</a:t>
             </a:fld>
             <a:endParaRPr lang="de-AT"/>
           </a:p>
@@ -3438,7 +3441,7 @@
         </p:blipFill>
         <p:spPr>
           <a:xfrm>
-            <a:off x="-4243" y="10"/>
+            <a:off x="-4243" y="-7544"/>
             <a:ext cx="12196243" cy="6857990"/>
           </a:xfrm>
           <a:prstGeom prst="rect">
@@ -3735,12 +3738,12 @@
           <a:lstStyle/>
           <a:p>
             <a:r>
-              <a:rPr lang="de-AT" sz="3600">
+              <a:rPr lang="de-AT" sz="3600" dirty="0">
                 <a:solidFill>
                   <a:srgbClr val="080808"/>
                 </a:solidFill>
               </a:rPr>
-              <a:t>Kundenfeedback &amp; Weiterführung</a:t>
+              <a:t>Weiterführung</a:t>
             </a:r>
           </a:p>
         </p:txBody>
@@ -3812,264 +3815,6 @@
 </file>
 
 <file path=ppt/slides/slide2.xml><?xml version="1.0" encoding="utf-8"?>
-<p:sld xmlns:a="http://schemas.openxmlformats.org/drawingml/2006/main" xmlns:r="http://schemas.openxmlformats.org/officeDocument/2006/relationships" xmlns:p="http://schemas.openxmlformats.org/presentationml/2006/main">
-  <p:cSld>
-    <p:bg>
-      <p:bgPr>
-        <a:solidFill>
-          <a:schemeClr val="bg1"/>
-        </a:solidFill>
-        <a:effectLst/>
-      </p:bgPr>
-    </p:bg>
-    <p:spTree>
-      <p:nvGrpSpPr>
-        <p:cNvPr id="1" name=""/>
-        <p:cNvGrpSpPr/>
-        <p:nvPr/>
-      </p:nvGrpSpPr>
-      <p:grpSpPr>
-        <a:xfrm>
-          <a:off x="0" y="0"/>
-          <a:ext cx="0" cy="0"/>
-          <a:chOff x="0" y="0"/>
-          <a:chExt cx="0" cy="0"/>
-        </a:xfrm>
-      </p:grpSpPr>
-      <p:sp useBgFill="1">
-        <p:nvSpPr>
-          <p:cNvPr id="8" name="Rectangle 7">
-            <a:extLst>
-              <a:ext uri="{FF2B5EF4-FFF2-40B4-BE49-F238E27FC236}">
-                <a16:creationId xmlns:a16="http://schemas.microsoft.com/office/drawing/2014/main" id="{6F40FBDA-CEB1-40F0-9AB9-BD9C402D70FE}"/>
-              </a:ext>
-              <a:ext uri="{C183D7F6-B498-43B3-948B-1728B52AA6E4}">
-                <adec:decorative xmlns:adec="http://schemas.microsoft.com/office/drawing/2017/decorative" val="1"/>
-              </a:ext>
-            </a:extLst>
-          </p:cNvPr>
-          <p:cNvSpPr>
-            <a:spLocks noGrp="1" noRot="1" noChangeAspect="1" noMove="1" noResize="1" noEditPoints="1" noAdjustHandles="1" noChangeArrowheads="1" noChangeShapeType="1" noTextEdit="1"/>
-          </p:cNvSpPr>
-          <p:nvPr>
-            <p:extLst>
-              <p:ext uri="{386F3935-93C4-4BCD-93E2-E3B085C9AB24}">
-                <p16:designElem xmlns:p16="http://schemas.microsoft.com/office/powerpoint/2015/main" val="1"/>
-              </p:ext>
-            </p:extLst>
-          </p:nvPr>
-        </p:nvSpPr>
-        <p:spPr>
-          <a:xfrm>
-            <a:off x="0" y="0"/>
-            <a:ext cx="12192000" cy="6858000"/>
-          </a:xfrm>
-          <a:prstGeom prst="rect">
-            <a:avLst/>
-          </a:prstGeom>
-          <a:ln>
-            <a:noFill/>
-          </a:ln>
-        </p:spPr>
-        <p:style>
-          <a:lnRef idx="2">
-            <a:schemeClr val="accent1">
-              <a:shade val="50000"/>
-            </a:schemeClr>
-          </a:lnRef>
-          <a:fillRef idx="1">
-            <a:schemeClr val="accent1"/>
-          </a:fillRef>
-          <a:effectRef idx="0">
-            <a:schemeClr val="accent1"/>
-          </a:effectRef>
-          <a:fontRef idx="minor">
-            <a:schemeClr val="lt1"/>
-          </a:fontRef>
-        </p:style>
-        <p:txBody>
-          <a:bodyPr rtlCol="0" anchor="ctr"/>
-          <a:lstStyle/>
-          <a:p>
-            <a:pPr algn="ctr"/>
-            <a:endParaRPr lang="en-US"/>
-          </a:p>
-        </p:txBody>
-      </p:sp>
-      <p:pic>
-        <p:nvPicPr>
-          <p:cNvPr id="4" name="Picture 3">
-            <a:extLst>
-              <a:ext uri="{FF2B5EF4-FFF2-40B4-BE49-F238E27FC236}">
-                <a16:creationId xmlns:a16="http://schemas.microsoft.com/office/drawing/2014/main" id="{D8ED9AA1-2CCC-982A-353F-DC67E1B89D27}"/>
-              </a:ext>
-            </a:extLst>
-          </p:cNvPr>
-          <p:cNvPicPr>
-            <a:picLocks noChangeAspect="1"/>
-          </p:cNvPicPr>
-          <p:nvPr/>
-        </p:nvPicPr>
-        <p:blipFill rotWithShape="1">
-          <a:blip r:embed="rId2">
-            <a:alphaModFix amt="45000"/>
-          </a:blip>
-          <a:srcRect t="19643"/>
-          <a:stretch/>
-        </p:blipFill>
-        <p:spPr>
-          <a:xfrm>
-            <a:off x="20" y="10"/>
-            <a:ext cx="12191980" cy="6857990"/>
-          </a:xfrm>
-          <a:prstGeom prst="rect">
-            <a:avLst/>
-          </a:prstGeom>
-        </p:spPr>
-      </p:pic>
-      <p:sp>
-        <p:nvSpPr>
-          <p:cNvPr id="10" name="Rectangle 9">
-            <a:extLst>
-              <a:ext uri="{FF2B5EF4-FFF2-40B4-BE49-F238E27FC236}">
-                <a16:creationId xmlns:a16="http://schemas.microsoft.com/office/drawing/2014/main" id="{0344D4FE-ABEF-4230-9E4E-AD5782FC78AC}"/>
-              </a:ext>
-              <a:ext uri="{C183D7F6-B498-43B3-948B-1728B52AA6E4}">
-                <adec:decorative xmlns:adec="http://schemas.microsoft.com/office/drawing/2017/decorative" val="1"/>
-              </a:ext>
-            </a:extLst>
-          </p:cNvPr>
-          <p:cNvSpPr>
-            <a:spLocks noGrp="1" noRot="1" noChangeAspect="1" noMove="1" noResize="1" noEditPoints="1" noAdjustHandles="1" noChangeArrowheads="1" noChangeShapeType="1" noTextEdit="1"/>
-          </p:cNvSpPr>
-          <p:nvPr>
-            <p:extLst>
-              <p:ext uri="{386F3935-93C4-4BCD-93E2-E3B085C9AB24}">
-                <p16:designElem xmlns:p16="http://schemas.microsoft.com/office/powerpoint/2015/main" val="1"/>
-              </p:ext>
-            </p:extLst>
-          </p:nvPr>
-        </p:nvSpPr>
-        <p:spPr>
-          <a:xfrm>
-            <a:off x="1307870" y="1267730"/>
-            <a:ext cx="9576262" cy="4307950"/>
-          </a:xfrm>
-          <a:prstGeom prst="rect">
-            <a:avLst/>
-          </a:prstGeom>
-          <a:noFill/>
-          <a:ln w="9525" cap="sq" cmpd="sng" algn="ctr">
-            <a:solidFill>
-              <a:schemeClr val="tx1">
-                <a:lumMod val="75000"/>
-                <a:lumOff val="25000"/>
-              </a:schemeClr>
-            </a:solidFill>
-            <a:prstDash val="solid"/>
-            <a:miter lim="800000"/>
-          </a:ln>
-          <a:effectLst>
-            <a:softEdge rad="0"/>
-          </a:effectLst>
-        </p:spPr>
-      </p:sp>
-      <p:sp>
-        <p:nvSpPr>
-          <p:cNvPr id="2" name="Titel 1">
-            <a:extLst>
-              <a:ext uri="{FF2B5EF4-FFF2-40B4-BE49-F238E27FC236}">
-                <a16:creationId xmlns:a16="http://schemas.microsoft.com/office/drawing/2014/main" id="{D6AB18C4-E491-7A34-213D-EB9F4F18C951}"/>
-              </a:ext>
-            </a:extLst>
-          </p:cNvPr>
-          <p:cNvSpPr>
-            <a:spLocks noGrp="1"/>
-          </p:cNvSpPr>
-          <p:nvPr>
-            <p:ph type="title"/>
-          </p:nvPr>
-        </p:nvSpPr>
-        <p:spPr>
-          <a:xfrm>
-            <a:off x="1769532" y="1695576"/>
-            <a:ext cx="8652938" cy="2857191"/>
-          </a:xfrm>
-        </p:spPr>
-        <p:txBody>
-          <a:bodyPr vert="horz" lIns="91440" tIns="45720" rIns="91440" bIns="45720" rtlCol="0" anchor="ctr">
-            <a:normAutofit/>
-          </a:bodyPr>
-          <a:lstStyle/>
-          <a:p>
-            <a:pPr algn="ctr"/>
-            <a:r>
-              <a:rPr lang="en-US" sz="8000"/>
-              <a:t>Kundenfeedback</a:t>
-            </a:r>
-          </a:p>
-        </p:txBody>
-      </p:sp>
-      <p:sp>
-        <p:nvSpPr>
-          <p:cNvPr id="12" name="Rectangle 11">
-            <a:extLst>
-              <a:ext uri="{FF2B5EF4-FFF2-40B4-BE49-F238E27FC236}">
-                <a16:creationId xmlns:a16="http://schemas.microsoft.com/office/drawing/2014/main" id="{9325F979-D3F9-4926-81B7-7ACCB31A501B}"/>
-              </a:ext>
-              <a:ext uri="{C183D7F6-B498-43B3-948B-1728B52AA6E4}">
-                <adec:decorative xmlns:adec="http://schemas.microsoft.com/office/drawing/2017/decorative" val="1"/>
-              </a:ext>
-            </a:extLst>
-          </p:cNvPr>
-          <p:cNvSpPr>
-            <a:spLocks noGrp="1" noRot="1" noChangeAspect="1" noMove="1" noResize="1" noEditPoints="1" noAdjustHandles="1" noChangeArrowheads="1" noChangeShapeType="1" noTextEdit="1"/>
-          </p:cNvSpPr>
-          <p:nvPr>
-            <p:extLst>
-              <p:ext uri="{386F3935-93C4-4BCD-93E2-E3B085C9AB24}">
-                <p16:designElem xmlns:p16="http://schemas.microsoft.com/office/powerpoint/2015/main" val="1"/>
-              </p:ext>
-            </p:extLst>
-          </p:nvPr>
-        </p:nvSpPr>
-        <p:spPr>
-          <a:xfrm>
-            <a:off x="1447801" y="1411615"/>
-            <a:ext cx="9296400" cy="4034770"/>
-          </a:xfrm>
-          <a:prstGeom prst="rect">
-            <a:avLst/>
-          </a:prstGeom>
-          <a:noFill/>
-          <a:ln w="9525" cap="sq" cmpd="sng" algn="ctr">
-            <a:solidFill>
-              <a:schemeClr val="tx1">
-                <a:lumMod val="75000"/>
-                <a:lumOff val="25000"/>
-                <a:alpha val="80000"/>
-              </a:schemeClr>
-            </a:solidFill>
-            <a:prstDash val="solid"/>
-            <a:miter lim="800000"/>
-          </a:ln>
-          <a:effectLst/>
-        </p:spPr>
-      </p:sp>
-    </p:spTree>
-    <p:extLst>
-      <p:ext uri="{BB962C8B-B14F-4D97-AF65-F5344CB8AC3E}">
-        <p14:creationId xmlns:p14="http://schemas.microsoft.com/office/powerpoint/2010/main" val="2999935809"/>
-      </p:ext>
-    </p:extLst>
-  </p:cSld>
-  <p:clrMapOvr>
-    <a:overrideClrMapping bg1="dk1" tx1="lt1" bg2="dk2" tx2="lt2" accent1="accent1" accent2="accent2" accent3="accent3" accent4="accent4" accent5="accent5" accent6="accent6" hlink="hlink" folHlink="folHlink"/>
-  </p:clrMapOvr>
-</p:sld>
-</file>
-
-<file path=ppt/slides/slide3.xml><?xml version="1.0" encoding="utf-8"?>
 <p:sld xmlns:a="http://schemas.openxmlformats.org/drawingml/2006/main" xmlns:r="http://schemas.openxmlformats.org/officeDocument/2006/relationships" xmlns:p="http://schemas.openxmlformats.org/presentationml/2006/main">
   <p:cSld>
     <p:bg>
@@ -4665,110 +4410,7 @@
 </p:sld>
 </file>
 
-<file path=ppt/slides/slide4.xml><?xml version="1.0" encoding="utf-8"?>
-<p:sld xmlns:a="http://schemas.openxmlformats.org/drawingml/2006/main" xmlns:r="http://schemas.openxmlformats.org/officeDocument/2006/relationships" xmlns:p="http://schemas.openxmlformats.org/presentationml/2006/main">
-  <p:cSld>
-    <p:spTree>
-      <p:nvGrpSpPr>
-        <p:cNvPr id="1" name=""/>
-        <p:cNvGrpSpPr/>
-        <p:nvPr/>
-      </p:nvGrpSpPr>
-      <p:grpSpPr>
-        <a:xfrm>
-          <a:off x="0" y="0"/>
-          <a:ext cx="0" cy="0"/>
-          <a:chOff x="0" y="0"/>
-          <a:chExt cx="0" cy="0"/>
-        </a:xfrm>
-      </p:grpSpPr>
-      <p:sp>
-        <p:nvSpPr>
-          <p:cNvPr id="2" name="Titel 1">
-            <a:extLst>
-              <a:ext uri="{FF2B5EF4-FFF2-40B4-BE49-F238E27FC236}">
-                <a16:creationId xmlns:a16="http://schemas.microsoft.com/office/drawing/2014/main" id="{C6D4966C-BA72-4075-EE25-80581040CFAC}"/>
-              </a:ext>
-            </a:extLst>
-          </p:cNvPr>
-          <p:cNvSpPr>
-            <a:spLocks noGrp="1"/>
-          </p:cNvSpPr>
-          <p:nvPr>
-            <p:ph type="title"/>
-          </p:nvPr>
-        </p:nvSpPr>
-        <p:spPr/>
-        <p:txBody>
-          <a:bodyPr/>
-          <a:lstStyle/>
-          <a:p>
-            <a:r>
-              <a:rPr lang="de-AT" dirty="0"/>
-              <a:t>Kundenfeedback</a:t>
-            </a:r>
-          </a:p>
-        </p:txBody>
-      </p:sp>
-      <p:sp>
-        <p:nvSpPr>
-          <p:cNvPr id="3" name="Inhaltsplatzhalter 2">
-            <a:extLst>
-              <a:ext uri="{FF2B5EF4-FFF2-40B4-BE49-F238E27FC236}">
-                <a16:creationId xmlns:a16="http://schemas.microsoft.com/office/drawing/2014/main" id="{B1F9338E-09E3-0B6A-B217-300BD730D4B3}"/>
-              </a:ext>
-            </a:extLst>
-          </p:cNvPr>
-          <p:cNvSpPr>
-            <a:spLocks noGrp="1"/>
-          </p:cNvSpPr>
-          <p:nvPr>
-            <p:ph idx="1"/>
-          </p:nvPr>
-        </p:nvSpPr>
-        <p:spPr>
-          <a:xfrm>
-            <a:off x="357433" y="1608809"/>
-            <a:ext cx="11284670" cy="4351338"/>
-          </a:xfrm>
-        </p:spPr>
-        <p:txBody>
-          <a:bodyPr/>
-          <a:lstStyle/>
-          <a:p>
-            <a:r>
-              <a:rPr lang="de-AT" dirty="0"/>
-              <a:t>Kundenfeedback direkt Nach der Übergabe</a:t>
-            </a:r>
-          </a:p>
-          <a:p>
-            <a:endParaRPr lang="de-AT" dirty="0"/>
-          </a:p>
-          <a:p>
-            <a:endParaRPr lang="de-AT" dirty="0"/>
-          </a:p>
-          <a:p>
-            <a:r>
-              <a:rPr lang="de-AT" dirty="0"/>
-              <a:t>Kundenfeedback nach 1 Woche Einsatz</a:t>
-            </a:r>
-          </a:p>
-        </p:txBody>
-      </p:sp>
-    </p:spTree>
-    <p:extLst>
-      <p:ext uri="{BB962C8B-B14F-4D97-AF65-F5344CB8AC3E}">
-        <p14:creationId xmlns:p14="http://schemas.microsoft.com/office/powerpoint/2010/main" val="3870946767"/>
-      </p:ext>
-    </p:extLst>
-  </p:cSld>
-  <p:clrMapOvr>
-    <a:masterClrMapping/>
-  </p:clrMapOvr>
-</p:sld>
-</file>
-
-<file path=ppt/slides/slide5.xml><?xml version="1.0" encoding="utf-8"?>
+<file path=ppt/slides/slide3.xml><?xml version="1.0" encoding="utf-8"?>
 <p:sld xmlns:a="http://schemas.openxmlformats.org/drawingml/2006/main" xmlns:r="http://schemas.openxmlformats.org/officeDocument/2006/relationships" xmlns:p="http://schemas.openxmlformats.org/presentationml/2006/main">
   <p:cSld>
     <p:bg>
@@ -5045,7 +4687,7 @@
 </p:sld>
 </file>
 
-<file path=ppt/slides/slide6.xml><?xml version="1.0" encoding="utf-8"?>
+<file path=ppt/slides/slide4.xml><?xml version="1.0" encoding="utf-8"?>
 <p:sld xmlns:a="http://schemas.openxmlformats.org/drawingml/2006/main" xmlns:r="http://schemas.openxmlformats.org/officeDocument/2006/relationships" xmlns:p="http://schemas.openxmlformats.org/presentationml/2006/main">
   <p:cSld>
     <p:bg>
@@ -5629,7 +5271,452 @@
 </p:sld>
 </file>
 
-<file path=ppt/slides/slide7.xml><?xml version="1.0" encoding="utf-8"?>
+<file path=ppt/slides/slide5.xml><?xml version="1.0" encoding="utf-8"?>
+<p:sld xmlns:a="http://schemas.openxmlformats.org/drawingml/2006/main" xmlns:r="http://schemas.openxmlformats.org/officeDocument/2006/relationships" xmlns:p="http://schemas.openxmlformats.org/presentationml/2006/main">
+  <p:cSld>
+    <p:bg>
+      <p:bgPr>
+        <a:solidFill>
+          <a:schemeClr val="bg1"/>
+        </a:solidFill>
+        <a:effectLst/>
+      </p:bgPr>
+    </p:bg>
+    <p:spTree>
+      <p:nvGrpSpPr>
+        <p:cNvPr id="1" name=""/>
+        <p:cNvGrpSpPr/>
+        <p:nvPr/>
+      </p:nvGrpSpPr>
+      <p:grpSpPr>
+        <a:xfrm>
+          <a:off x="0" y="0"/>
+          <a:ext cx="0" cy="0"/>
+          <a:chOff x="0" y="0"/>
+          <a:chExt cx="0" cy="0"/>
+        </a:xfrm>
+      </p:grpSpPr>
+      <p:sp>
+        <p:nvSpPr>
+          <p:cNvPr id="8" name="Rectangle 7">
+            <a:extLst>
+              <a:ext uri="{FF2B5EF4-FFF2-40B4-BE49-F238E27FC236}">
+                <a16:creationId xmlns:a16="http://schemas.microsoft.com/office/drawing/2014/main" id="{2B566528-1B12-4246-9431-5C2D7D081168}"/>
+              </a:ext>
+              <a:ext uri="{C183D7F6-B498-43B3-948B-1728B52AA6E4}">
+                <adec:decorative xmlns:adec="http://schemas.microsoft.com/office/drawing/2017/decorative" val="1"/>
+              </a:ext>
+            </a:extLst>
+          </p:cNvPr>
+          <p:cNvSpPr>
+            <a:spLocks noGrp="1" noRot="1" noChangeAspect="1" noMove="1" noResize="1" noEditPoints="1" noAdjustHandles="1" noChangeArrowheads="1" noChangeShapeType="1" noTextEdit="1"/>
+          </p:cNvSpPr>
+          <p:nvPr>
+            <p:extLst>
+              <p:ext uri="{386F3935-93C4-4BCD-93E2-E3B085C9AB24}">
+                <p16:designElem xmlns:p16="http://schemas.microsoft.com/office/powerpoint/2015/main" val="1"/>
+              </p:ext>
+            </p:extLst>
+          </p:nvPr>
+        </p:nvSpPr>
+        <p:spPr>
+          <a:xfrm>
+            <a:off x="0" y="0"/>
+            <a:ext cx="12192000" cy="6858000"/>
+          </a:xfrm>
+          <a:prstGeom prst="rect">
+            <a:avLst/>
+          </a:prstGeom>
+          <a:solidFill>
+            <a:schemeClr val="bg1"/>
+          </a:solidFill>
+          <a:ln>
+            <a:noFill/>
+          </a:ln>
+        </p:spPr>
+        <p:style>
+          <a:lnRef idx="2">
+            <a:schemeClr val="accent1">
+              <a:shade val="50000"/>
+            </a:schemeClr>
+          </a:lnRef>
+          <a:fillRef idx="1">
+            <a:schemeClr val="accent1"/>
+          </a:fillRef>
+          <a:effectRef idx="0">
+            <a:schemeClr val="accent1"/>
+          </a:effectRef>
+          <a:fontRef idx="minor">
+            <a:schemeClr val="lt1"/>
+          </a:fontRef>
+        </p:style>
+        <p:txBody>
+          <a:bodyPr rtlCol="0" anchor="ctr"/>
+          <a:lstStyle/>
+          <a:p>
+            <a:pPr algn="ctr"/>
+            <a:endParaRPr lang="en-US" dirty="0"/>
+          </a:p>
+        </p:txBody>
+      </p:sp>
+      <p:sp>
+        <p:nvSpPr>
+          <p:cNvPr id="2" name="Titel 1">
+            <a:extLst>
+              <a:ext uri="{FF2B5EF4-FFF2-40B4-BE49-F238E27FC236}">
+                <a16:creationId xmlns:a16="http://schemas.microsoft.com/office/drawing/2014/main" id="{8135885A-30AB-B9B2-A72A-CBC82C7D367F}"/>
+              </a:ext>
+            </a:extLst>
+          </p:cNvPr>
+          <p:cNvSpPr>
+            <a:spLocks noGrp="1"/>
+          </p:cNvSpPr>
+          <p:nvPr>
+            <p:ph type="title"/>
+          </p:nvPr>
+        </p:nvSpPr>
+        <p:spPr>
+          <a:xfrm>
+            <a:off x="643467" y="321734"/>
+            <a:ext cx="10905066" cy="1135737"/>
+          </a:xfrm>
+        </p:spPr>
+        <p:txBody>
+          <a:bodyPr>
+            <a:normAutofit/>
+          </a:bodyPr>
+          <a:lstStyle/>
+          <a:p>
+            <a:r>
+              <a:rPr lang="de-AT" sz="3600"/>
+              <a:t>Updates</a:t>
+            </a:r>
+          </a:p>
+        </p:txBody>
+      </p:sp>
+      <p:sp>
+        <p:nvSpPr>
+          <p:cNvPr id="3" name="Inhaltsplatzhalter 2">
+            <a:extLst>
+              <a:ext uri="{FF2B5EF4-FFF2-40B4-BE49-F238E27FC236}">
+                <a16:creationId xmlns:a16="http://schemas.microsoft.com/office/drawing/2014/main" id="{7F725075-6616-FE38-0FEC-D23975AFAA43}"/>
+              </a:ext>
+            </a:extLst>
+          </p:cNvPr>
+          <p:cNvSpPr>
+            <a:spLocks noGrp="1"/>
+          </p:cNvSpPr>
+          <p:nvPr>
+            <p:ph idx="1"/>
+          </p:nvPr>
+        </p:nvSpPr>
+        <p:spPr>
+          <a:xfrm>
+            <a:off x="643467" y="1782981"/>
+            <a:ext cx="10905066" cy="4393982"/>
+          </a:xfrm>
+        </p:spPr>
+        <p:txBody>
+          <a:bodyPr>
+            <a:normAutofit/>
+          </a:bodyPr>
+          <a:lstStyle/>
+          <a:p>
+            <a:r>
+              <a:rPr lang="de-AT" sz="2000"/>
+              <a:t>Dieses Projekt gilt für unser Team als abgeschlossen und wird nicht weiter entwickelt. </a:t>
+            </a:r>
+          </a:p>
+          <a:p>
+            <a:r>
+              <a:rPr lang="de-AT" sz="2000"/>
+              <a:t>Nur die Wartung wird weitergeführt</a:t>
+            </a:r>
+          </a:p>
+        </p:txBody>
+      </p:sp>
+      <p:sp>
+        <p:nvSpPr>
+          <p:cNvPr id="10" name="Rectangle 9">
+            <a:extLst>
+              <a:ext uri="{FF2B5EF4-FFF2-40B4-BE49-F238E27FC236}">
+                <a16:creationId xmlns:a16="http://schemas.microsoft.com/office/drawing/2014/main" id="{2E80C965-DB6D-4F81-9E9E-B027384D0BD6}"/>
+              </a:ext>
+              <a:ext uri="{C183D7F6-B498-43B3-948B-1728B52AA6E4}">
+                <adec:decorative xmlns:adec="http://schemas.microsoft.com/office/drawing/2017/decorative" val="1"/>
+              </a:ext>
+            </a:extLst>
+          </p:cNvPr>
+          <p:cNvSpPr>
+            <a:spLocks noGrp="1" noRot="1" noChangeAspect="1" noMove="1" noResize="1" noEditPoints="1" noAdjustHandles="1" noChangeArrowheads="1" noChangeShapeType="1" noTextEdit="1"/>
+          </p:cNvSpPr>
+          <p:nvPr>
+            <p:extLst>
+              <p:ext uri="{386F3935-93C4-4BCD-93E2-E3B085C9AB24}">
+                <p16:designElem xmlns:p16="http://schemas.microsoft.com/office/powerpoint/2015/main" val="1"/>
+              </p:ext>
+            </p:extLst>
+          </p:nvPr>
+        </p:nvSpPr>
+        <p:spPr>
+          <a:xfrm rot="2700000">
+            <a:off x="11052629" y="2120024"/>
+            <a:ext cx="645368" cy="645368"/>
+          </a:xfrm>
+          <a:prstGeom prst="rect">
+            <a:avLst/>
+          </a:prstGeom>
+          <a:solidFill>
+            <a:schemeClr val="accent4">
+              <a:alpha val="30000"/>
+            </a:schemeClr>
+          </a:solidFill>
+          <a:ln>
+            <a:noFill/>
+          </a:ln>
+        </p:spPr>
+        <p:style>
+          <a:lnRef idx="2">
+            <a:schemeClr val="accent1">
+              <a:shade val="50000"/>
+            </a:schemeClr>
+          </a:lnRef>
+          <a:fillRef idx="1">
+            <a:schemeClr val="accent1"/>
+          </a:fillRef>
+          <a:effectRef idx="0">
+            <a:schemeClr val="accent1"/>
+          </a:effectRef>
+          <a:fontRef idx="minor">
+            <a:schemeClr val="lt1"/>
+          </a:fontRef>
+        </p:style>
+        <p:txBody>
+          <a:bodyPr rtlCol="0" anchor="ctr"/>
+          <a:lstStyle/>
+          <a:p>
+            <a:pPr algn="ctr"/>
+            <a:endParaRPr lang="en-US"/>
+          </a:p>
+        </p:txBody>
+      </p:sp>
+      <p:sp>
+        <p:nvSpPr>
+          <p:cNvPr id="12" name="Isosceles Triangle 11">
+            <a:extLst>
+              <a:ext uri="{FF2B5EF4-FFF2-40B4-BE49-F238E27FC236}">
+                <a16:creationId xmlns:a16="http://schemas.microsoft.com/office/drawing/2014/main" id="{A580F890-B085-4E95-96AA-55AEBEC5CE6E}"/>
+              </a:ext>
+              <a:ext uri="{C183D7F6-B498-43B3-948B-1728B52AA6E4}">
+                <adec:decorative xmlns:adec="http://schemas.microsoft.com/office/drawing/2017/decorative" val="1"/>
+              </a:ext>
+            </a:extLst>
+          </p:cNvPr>
+          <p:cNvSpPr>
+            <a:spLocks noGrp="1" noRot="1" noChangeAspect="1" noMove="1" noResize="1" noEditPoints="1" noAdjustHandles="1" noChangeArrowheads="1" noChangeShapeType="1" noTextEdit="1"/>
+          </p:cNvSpPr>
+          <p:nvPr>
+            <p:extLst>
+              <p:ext uri="{386F3935-93C4-4BCD-93E2-E3B085C9AB24}">
+                <p16:designElem xmlns:p16="http://schemas.microsoft.com/office/powerpoint/2015/main" val="1"/>
+              </p:ext>
+            </p:extLst>
+          </p:nvPr>
+        </p:nvSpPr>
+        <p:spPr>
+          <a:xfrm rot="16200000">
+            <a:off x="10289068" y="1343027"/>
+            <a:ext cx="2532832" cy="1273032"/>
+          </a:xfrm>
+          <a:prstGeom prst="triangle">
+            <a:avLst>
+              <a:gd name="adj" fmla="val 50000"/>
+            </a:avLst>
+          </a:prstGeom>
+          <a:solidFill>
+            <a:schemeClr val="accent4">
+              <a:alpha val="30000"/>
+            </a:schemeClr>
+          </a:solidFill>
+          <a:ln>
+            <a:noFill/>
+          </a:ln>
+        </p:spPr>
+        <p:style>
+          <a:lnRef idx="2">
+            <a:schemeClr val="accent1">
+              <a:shade val="50000"/>
+            </a:schemeClr>
+          </a:lnRef>
+          <a:fillRef idx="1">
+            <a:schemeClr val="accent1"/>
+          </a:fillRef>
+          <a:effectRef idx="0">
+            <a:schemeClr val="accent1"/>
+          </a:effectRef>
+          <a:fontRef idx="minor">
+            <a:schemeClr val="lt1"/>
+          </a:fontRef>
+        </p:style>
+        <p:txBody>
+          <a:bodyPr rtlCol="0" anchor="ctr"/>
+          <a:lstStyle/>
+          <a:p>
+            <a:pPr algn="ctr"/>
+            <a:endParaRPr lang="en-US"/>
+          </a:p>
+        </p:txBody>
+      </p:sp>
+      <p:sp>
+        <p:nvSpPr>
+          <p:cNvPr id="14" name="Isosceles Triangle 13">
+            <a:extLst>
+              <a:ext uri="{FF2B5EF4-FFF2-40B4-BE49-F238E27FC236}">
+                <a16:creationId xmlns:a16="http://schemas.microsoft.com/office/drawing/2014/main" id="{D3F51FEB-38FB-4F6C-9F7B-2F2AFAB65463}"/>
+              </a:ext>
+              <a:ext uri="{C183D7F6-B498-43B3-948B-1728B52AA6E4}">
+                <adec:decorative xmlns:adec="http://schemas.microsoft.com/office/drawing/2017/decorative" val="1"/>
+              </a:ext>
+            </a:extLst>
+          </p:cNvPr>
+          <p:cNvSpPr>
+            <a:spLocks noGrp="1" noRot="1" noChangeAspect="1" noMove="1" noResize="1" noEditPoints="1" noAdjustHandles="1" noChangeArrowheads="1" noChangeShapeType="1" noTextEdit="1"/>
+          </p:cNvSpPr>
+          <p:nvPr>
+            <p:extLst>
+              <p:ext uri="{386F3935-93C4-4BCD-93E2-E3B085C9AB24}">
+                <p16:designElem xmlns:p16="http://schemas.microsoft.com/office/powerpoint/2015/main" val="1"/>
+              </p:ext>
+            </p:extLst>
+          </p:nvPr>
+        </p:nvSpPr>
+        <p:spPr>
+          <a:xfrm rot="5400000">
+            <a:off x="-501760" y="5103257"/>
+            <a:ext cx="2017580" cy="1014060"/>
+          </a:xfrm>
+          <a:prstGeom prst="triangle">
+            <a:avLst>
+              <a:gd name="adj" fmla="val 50000"/>
+            </a:avLst>
+          </a:prstGeom>
+          <a:solidFill>
+            <a:schemeClr val="accent1">
+              <a:alpha val="30000"/>
+            </a:schemeClr>
+          </a:solidFill>
+          <a:ln>
+            <a:noFill/>
+          </a:ln>
+        </p:spPr>
+        <p:style>
+          <a:lnRef idx="2">
+            <a:schemeClr val="accent1">
+              <a:shade val="50000"/>
+            </a:schemeClr>
+          </a:lnRef>
+          <a:fillRef idx="1">
+            <a:schemeClr val="accent1"/>
+          </a:fillRef>
+          <a:effectRef idx="0">
+            <a:schemeClr val="accent1"/>
+          </a:effectRef>
+          <a:fontRef idx="minor">
+            <a:schemeClr val="lt1"/>
+          </a:fontRef>
+        </p:style>
+        <p:txBody>
+          <a:bodyPr wrap="square" rtlCol="0" anchor="ctr">
+            <a:noAutofit/>
+          </a:bodyPr>
+          <a:lstStyle/>
+          <a:p>
+            <a:pPr algn="ctr"/>
+            <a:endParaRPr lang="en-US"/>
+          </a:p>
+        </p:txBody>
+      </p:sp>
+      <p:sp>
+        <p:nvSpPr>
+          <p:cNvPr id="16" name="Rectangle 15">
+            <a:extLst>
+              <a:ext uri="{FF2B5EF4-FFF2-40B4-BE49-F238E27FC236}">
+                <a16:creationId xmlns:a16="http://schemas.microsoft.com/office/drawing/2014/main" id="{1E547BA6-BAE0-43BB-A7CA-60F69CE252F0}"/>
+              </a:ext>
+              <a:ext uri="{C183D7F6-B498-43B3-948B-1728B52AA6E4}">
+                <adec:decorative xmlns:adec="http://schemas.microsoft.com/office/drawing/2017/decorative" val="1"/>
+              </a:ext>
+            </a:extLst>
+          </p:cNvPr>
+          <p:cNvSpPr>
+            <a:spLocks noGrp="1" noRot="1" noChangeAspect="1" noMove="1" noResize="1" noEditPoints="1" noAdjustHandles="1" noChangeArrowheads="1" noChangeShapeType="1" noTextEdit="1"/>
+          </p:cNvSpPr>
+          <p:nvPr>
+            <p:extLst>
+              <p:ext uri="{386F3935-93C4-4BCD-93E2-E3B085C9AB24}">
+                <p16:designElem xmlns:p16="http://schemas.microsoft.com/office/powerpoint/2015/main" val="1"/>
+              </p:ext>
+            </p:extLst>
+          </p:nvPr>
+        </p:nvSpPr>
+        <p:spPr>
+          <a:xfrm rot="2700000">
+            <a:off x="427916" y="5728708"/>
+            <a:ext cx="485578" cy="485578"/>
+          </a:xfrm>
+          <a:prstGeom prst="rect">
+            <a:avLst/>
+          </a:prstGeom>
+          <a:solidFill>
+            <a:schemeClr val="accent1">
+              <a:alpha val="30000"/>
+            </a:schemeClr>
+          </a:solidFill>
+          <a:ln>
+            <a:noFill/>
+          </a:ln>
+        </p:spPr>
+        <p:style>
+          <a:lnRef idx="2">
+            <a:schemeClr val="accent1">
+              <a:shade val="50000"/>
+            </a:schemeClr>
+          </a:lnRef>
+          <a:fillRef idx="1">
+            <a:schemeClr val="accent1"/>
+          </a:fillRef>
+          <a:effectRef idx="0">
+            <a:schemeClr val="accent1"/>
+          </a:effectRef>
+          <a:fontRef idx="minor">
+            <a:schemeClr val="lt1"/>
+          </a:fontRef>
+        </p:style>
+        <p:txBody>
+          <a:bodyPr wrap="square" rtlCol="0" anchor="ctr">
+            <a:noAutofit/>
+          </a:bodyPr>
+          <a:lstStyle/>
+          <a:p>
+            <a:pPr algn="ctr"/>
+            <a:endParaRPr lang="en-US"/>
+          </a:p>
+        </p:txBody>
+      </p:sp>
+    </p:spTree>
+    <p:extLst>
+      <p:ext uri="{BB962C8B-B14F-4D97-AF65-F5344CB8AC3E}">
+        <p14:creationId xmlns:p14="http://schemas.microsoft.com/office/powerpoint/2010/main" val="1818503408"/>
+      </p:ext>
+    </p:extLst>
+  </p:cSld>
+  <p:clrMapOvr>
+    <a:masterClrMapping/>
+  </p:clrMapOvr>
+</p:sld>
+</file>
+
+<file path=ppt/slides/slide6.xml><?xml version="1.0" encoding="utf-8"?>
 <p:sld xmlns:a="http://schemas.openxmlformats.org/drawingml/2006/main" xmlns:r="http://schemas.openxmlformats.org/officeDocument/2006/relationships" xmlns:p="http://schemas.openxmlformats.org/presentationml/2006/main">
   <p:cSld>
     <p:bg>
@@ -6204,98 +6291,6 @@
     <p:extLst>
       <p:ext uri="{BB962C8B-B14F-4D97-AF65-F5344CB8AC3E}">
         <p14:creationId xmlns:p14="http://schemas.microsoft.com/office/powerpoint/2010/main" val="3742253078"/>
-      </p:ext>
-    </p:extLst>
-  </p:cSld>
-  <p:clrMapOvr>
-    <a:masterClrMapping/>
-  </p:clrMapOvr>
-</p:sld>
-</file>
-
-<file path=ppt/slides/slide8.xml><?xml version="1.0" encoding="utf-8"?>
-<p:sld xmlns:a="http://schemas.openxmlformats.org/drawingml/2006/main" xmlns:r="http://schemas.openxmlformats.org/officeDocument/2006/relationships" xmlns:p="http://schemas.openxmlformats.org/presentationml/2006/main">
-  <p:cSld>
-    <p:spTree>
-      <p:nvGrpSpPr>
-        <p:cNvPr id="1" name=""/>
-        <p:cNvGrpSpPr/>
-        <p:nvPr/>
-      </p:nvGrpSpPr>
-      <p:grpSpPr>
-        <a:xfrm>
-          <a:off x="0" y="0"/>
-          <a:ext cx="0" cy="0"/>
-          <a:chOff x="0" y="0"/>
-          <a:chExt cx="0" cy="0"/>
-        </a:xfrm>
-      </p:grpSpPr>
-      <p:sp>
-        <p:nvSpPr>
-          <p:cNvPr id="2" name="Titel 1">
-            <a:extLst>
-              <a:ext uri="{FF2B5EF4-FFF2-40B4-BE49-F238E27FC236}">
-                <a16:creationId xmlns:a16="http://schemas.microsoft.com/office/drawing/2014/main" id="{8135885A-30AB-B9B2-A72A-CBC82C7D367F}"/>
-              </a:ext>
-            </a:extLst>
-          </p:cNvPr>
-          <p:cNvSpPr>
-            <a:spLocks noGrp="1"/>
-          </p:cNvSpPr>
-          <p:nvPr>
-            <p:ph type="title"/>
-          </p:nvPr>
-        </p:nvSpPr>
-        <p:spPr/>
-        <p:txBody>
-          <a:bodyPr/>
-          <a:lstStyle/>
-          <a:p>
-            <a:r>
-              <a:rPr lang="de-AT" dirty="0"/>
-              <a:t>Updates</a:t>
-            </a:r>
-          </a:p>
-        </p:txBody>
-      </p:sp>
-      <p:sp>
-        <p:nvSpPr>
-          <p:cNvPr id="3" name="Inhaltsplatzhalter 2">
-            <a:extLst>
-              <a:ext uri="{FF2B5EF4-FFF2-40B4-BE49-F238E27FC236}">
-                <a16:creationId xmlns:a16="http://schemas.microsoft.com/office/drawing/2014/main" id="{7F725075-6616-FE38-0FEC-D23975AFAA43}"/>
-              </a:ext>
-            </a:extLst>
-          </p:cNvPr>
-          <p:cNvSpPr>
-            <a:spLocks noGrp="1"/>
-          </p:cNvSpPr>
-          <p:nvPr>
-            <p:ph idx="1"/>
-          </p:nvPr>
-        </p:nvSpPr>
-        <p:spPr/>
-        <p:txBody>
-          <a:bodyPr/>
-          <a:lstStyle/>
-          <a:p>
-            <a:r>
-              <a:rPr lang="de-AT" dirty="0"/>
-              <a:t>Dieses Projekt gilt für unser Team als abgeschlossen und wird nicht weiter entwickelt. </a:t>
-            </a:r>
-          </a:p>
-          <a:p>
-            <a:r>
-              <a:rPr lang="de-AT" dirty="0"/>
-              <a:t>Nur die Wartung wird weitergeführt</a:t>
-            </a:r>
-          </a:p>
-        </p:txBody>
-      </p:sp>
-    </p:spTree>
-    <p:extLst>
-      <p:ext uri="{BB962C8B-B14F-4D97-AF65-F5344CB8AC3E}">
-        <p14:creationId xmlns:p14="http://schemas.microsoft.com/office/powerpoint/2010/main" val="1818503408"/>
       </p:ext>
     </p:extLst>
   </p:cSld>
